--- a/Capstone Project - Land Prices & Venues Data Analysis of Tokyo Metropolis - final.pptx
+++ b/Capstone Project - Land Prices & Venues Data Analysis of Tokyo Metropolis - final.pptx
@@ -5510,7 +5510,7 @@
           <a:p>
             <a:r>
               <a:rPr lang="en-US" dirty="0"/>
-              <a:t>Found 7722venues and 308 unique categories for 104 stations with Foursquare API.</a:t>
+              <a:t>Found 7721venues and 308 unique categories for 104 stations with Foursquare API.</a:t>
             </a:r>
           </a:p>
           <a:p>
